--- a/Bemutató/Webes Projekt.pptx
+++ b/Bemutató/Webes Projekt.pptx
@@ -11,8 +11,8 @@
     <p:sldId id="259" r:id="rId5"/>
     <p:sldId id="260" r:id="rId6"/>
     <p:sldId id="261" r:id="rId7"/>
-    <p:sldId id="262" r:id="rId8"/>
-    <p:sldId id="263" r:id="rId9"/>
+    <p:sldId id="263" r:id="rId8"/>
+    <p:sldId id="262" r:id="rId9"/>
   </p:sldIdLst>
   <p:sldSz cx="12192000" cy="6858000"/>
   <p:notesSz cx="6858000" cy="9144000"/>
@@ -111,6 +111,11 @@
       </a:defRPr>
     </a:lvl9pPr>
   </p:defaultTextStyle>
+  <p:extLst>
+    <p:ext uri="{EFAFB233-063F-42B5-8137-9DF3F51BA10A}">
+      <p15:sldGuideLst xmlns:p15="http://schemas.microsoft.com/office/powerpoint/2012/main"/>
+    </p:ext>
+  </p:extLst>
 </p:presentation>
 </file>
 
@@ -245,7 +250,7 @@
           <a:p>
             <a:fld id="{4B4BAFA8-0487-4C43-8C9E-ED8C7000D50E}" type="datetimeFigureOut">
               <a:rPr lang="hu-HU" smtClean="0"/>
-              <a:t>2023.01.30.</a:t>
+              <a:t>2023.01.31.</a:t>
             </a:fld>
             <a:endParaRPr lang="hu-HU"/>
           </a:p>
@@ -415,7 +420,7 @@
           <a:p>
             <a:fld id="{4B4BAFA8-0487-4C43-8C9E-ED8C7000D50E}" type="datetimeFigureOut">
               <a:rPr lang="hu-HU" smtClean="0"/>
-              <a:t>2023.01.30.</a:t>
+              <a:t>2023.01.31.</a:t>
             </a:fld>
             <a:endParaRPr lang="hu-HU"/>
           </a:p>
@@ -595,7 +600,7 @@
           <a:p>
             <a:fld id="{4B4BAFA8-0487-4C43-8C9E-ED8C7000D50E}" type="datetimeFigureOut">
               <a:rPr lang="hu-HU" smtClean="0"/>
-              <a:t>2023.01.30.</a:t>
+              <a:t>2023.01.31.</a:t>
             </a:fld>
             <a:endParaRPr lang="hu-HU"/>
           </a:p>
@@ -765,7 +770,7 @@
           <a:p>
             <a:fld id="{4B4BAFA8-0487-4C43-8C9E-ED8C7000D50E}" type="datetimeFigureOut">
               <a:rPr lang="hu-HU" smtClean="0"/>
-              <a:t>2023.01.30.</a:t>
+              <a:t>2023.01.31.</a:t>
             </a:fld>
             <a:endParaRPr lang="hu-HU"/>
           </a:p>
@@ -1011,7 +1016,7 @@
           <a:p>
             <a:fld id="{4B4BAFA8-0487-4C43-8C9E-ED8C7000D50E}" type="datetimeFigureOut">
               <a:rPr lang="hu-HU" smtClean="0"/>
-              <a:t>2023.01.30.</a:t>
+              <a:t>2023.01.31.</a:t>
             </a:fld>
             <a:endParaRPr lang="hu-HU"/>
           </a:p>
@@ -1243,7 +1248,7 @@
           <a:p>
             <a:fld id="{4B4BAFA8-0487-4C43-8C9E-ED8C7000D50E}" type="datetimeFigureOut">
               <a:rPr lang="hu-HU" smtClean="0"/>
-              <a:t>2023.01.30.</a:t>
+              <a:t>2023.01.31.</a:t>
             </a:fld>
             <a:endParaRPr lang="hu-HU"/>
           </a:p>
@@ -1610,7 +1615,7 @@
           <a:p>
             <a:fld id="{4B4BAFA8-0487-4C43-8C9E-ED8C7000D50E}" type="datetimeFigureOut">
               <a:rPr lang="hu-HU" smtClean="0"/>
-              <a:t>2023.01.30.</a:t>
+              <a:t>2023.01.31.</a:t>
             </a:fld>
             <a:endParaRPr lang="hu-HU"/>
           </a:p>
@@ -1728,7 +1733,7 @@
           <a:p>
             <a:fld id="{4B4BAFA8-0487-4C43-8C9E-ED8C7000D50E}" type="datetimeFigureOut">
               <a:rPr lang="hu-HU" smtClean="0"/>
-              <a:t>2023.01.30.</a:t>
+              <a:t>2023.01.31.</a:t>
             </a:fld>
             <a:endParaRPr lang="hu-HU"/>
           </a:p>
@@ -1823,7 +1828,7 @@
           <a:p>
             <a:fld id="{4B4BAFA8-0487-4C43-8C9E-ED8C7000D50E}" type="datetimeFigureOut">
               <a:rPr lang="hu-HU" smtClean="0"/>
-              <a:t>2023.01.30.</a:t>
+              <a:t>2023.01.31.</a:t>
             </a:fld>
             <a:endParaRPr lang="hu-HU"/>
           </a:p>
@@ -2100,7 +2105,7 @@
           <a:p>
             <a:fld id="{4B4BAFA8-0487-4C43-8C9E-ED8C7000D50E}" type="datetimeFigureOut">
               <a:rPr lang="hu-HU" smtClean="0"/>
-              <a:t>2023.01.30.</a:t>
+              <a:t>2023.01.31.</a:t>
             </a:fld>
             <a:endParaRPr lang="hu-HU"/>
           </a:p>
@@ -2353,7 +2358,7 @@
           <a:p>
             <a:fld id="{4B4BAFA8-0487-4C43-8C9E-ED8C7000D50E}" type="datetimeFigureOut">
               <a:rPr lang="hu-HU" smtClean="0"/>
-              <a:t>2023.01.30.</a:t>
+              <a:t>2023.01.31.</a:t>
             </a:fld>
             <a:endParaRPr lang="hu-HU"/>
           </a:p>
@@ -2566,7 +2571,7 @@
           <a:p>
             <a:fld id="{4B4BAFA8-0487-4C43-8C9E-ED8C7000D50E}" type="datetimeFigureOut">
               <a:rPr lang="hu-HU" smtClean="0"/>
-              <a:t>2023.01.30.</a:t>
+              <a:t>2023.01.31.</a:t>
             </a:fld>
             <a:endParaRPr lang="hu-HU"/>
           </a:p>
@@ -2971,6 +2976,36 @@
           <a:chExt cx="0" cy="0"/>
         </a:xfrm>
       </p:grpSpPr>
+      <p:pic>
+        <p:nvPicPr>
+          <p:cNvPr id="4" name="Kép 3"/>
+          <p:cNvPicPr>
+            <a:picLocks noChangeAspect="1"/>
+          </p:cNvPicPr>
+          <p:nvPr/>
+        </p:nvPicPr>
+        <p:blipFill>
+          <a:blip r:embed="rId2">
+            <a:extLst>
+              <a:ext uri="{28A0092B-C50C-407E-A947-70E740481C1C}">
+                <a14:useLocalDpi xmlns:a14="http://schemas.microsoft.com/office/drawing/2010/main" val="0"/>
+              </a:ext>
+            </a:extLst>
+          </a:blip>
+          <a:stretch>
+            <a:fillRect/>
+          </a:stretch>
+        </p:blipFill>
+        <p:spPr>
+          <a:xfrm>
+            <a:off x="0" y="0"/>
+            <a:ext cx="12192000" cy="6858000"/>
+          </a:xfrm>
+          <a:prstGeom prst="rect">
+            <a:avLst/>
+          </a:prstGeom>
+        </p:spPr>
+      </p:pic>
       <p:sp>
         <p:nvSpPr>
           <p:cNvPr id="2" name="Cím 1"/>
@@ -2987,21 +3022,41 @@
           <a:lstStyle/>
           <a:p>
             <a:r>
-              <a:rPr lang="hu-HU" dirty="0" smtClean="0"/>
+              <a:rPr lang="hu-HU" dirty="0" smtClean="0">
+                <a:solidFill>
+                  <a:schemeClr val="bg1"/>
+                </a:solidFill>
+              </a:rPr>
               <a:t>Webes Projekt</a:t>
             </a:r>
             <a:r>
-              <a:rPr lang="hu-HU" dirty="0"/>
+              <a:rPr lang="hu-HU" dirty="0">
+                <a:solidFill>
+                  <a:schemeClr val="bg1"/>
+                </a:solidFill>
+              </a:rPr>
               <a:t/>
             </a:r>
             <a:br>
-              <a:rPr lang="hu-HU" dirty="0"/>
+              <a:rPr lang="hu-HU" dirty="0">
+                <a:solidFill>
+                  <a:schemeClr val="bg1"/>
+                </a:solidFill>
+              </a:rPr>
             </a:br>
             <a:r>
-              <a:rPr lang="hu-HU" dirty="0" smtClean="0"/>
+              <a:rPr lang="hu-HU" dirty="0" smtClean="0">
+                <a:solidFill>
+                  <a:schemeClr val="bg1"/>
+                </a:solidFill>
+              </a:rPr>
               <a:t>Projektdokumentáció</a:t>
             </a:r>
-            <a:endParaRPr lang="hu-HU" dirty="0"/>
+            <a:endParaRPr lang="hu-HU" dirty="0">
+              <a:solidFill>
+                <a:schemeClr val="bg1"/>
+              </a:solidFill>
+            </a:endParaRPr>
           </a:p>
         </p:txBody>
       </p:sp>
@@ -3021,26 +3076,50 @@
           <a:lstStyle/>
           <a:p>
             <a:r>
-              <a:rPr lang="hu-HU" dirty="0" smtClean="0"/>
+              <a:rPr lang="hu-HU" dirty="0" smtClean="0">
+                <a:solidFill>
+                  <a:schemeClr val="bg1"/>
+                </a:solidFill>
+              </a:rPr>
               <a:t>Készítette: </a:t>
             </a:r>
             <a:r>
-              <a:rPr lang="hu-HU" dirty="0" err="1" smtClean="0"/>
+              <a:rPr lang="hu-HU" dirty="0" err="1" smtClean="0">
+                <a:solidFill>
+                  <a:schemeClr val="bg1"/>
+                </a:solidFill>
+              </a:rPr>
               <a:t>Krizsák</a:t>
             </a:r>
             <a:r>
-              <a:rPr lang="hu-HU" dirty="0" smtClean="0"/>
+              <a:rPr lang="hu-HU" dirty="0" smtClean="0">
+                <a:solidFill>
+                  <a:schemeClr val="bg1"/>
+                </a:solidFill>
+              </a:rPr>
               <a:t> Kornél, </a:t>
             </a:r>
             <a:r>
-              <a:rPr lang="hu-HU" dirty="0" err="1" smtClean="0"/>
+              <a:rPr lang="hu-HU" dirty="0" err="1" smtClean="0">
+                <a:solidFill>
+                  <a:schemeClr val="bg1"/>
+                </a:solidFill>
+              </a:rPr>
               <a:t>Ohradka</a:t>
             </a:r>
             <a:r>
-              <a:rPr lang="hu-HU" dirty="0" smtClean="0"/>
+              <a:rPr lang="hu-HU" dirty="0" smtClean="0">
+                <a:solidFill>
+                  <a:schemeClr val="bg1"/>
+                </a:solidFill>
+              </a:rPr>
               <a:t> Gergő, Somlyai Tamás</a:t>
             </a:r>
-            <a:endParaRPr lang="hu-HU" dirty="0"/>
+            <a:endParaRPr lang="hu-HU" dirty="0">
+              <a:solidFill>
+                <a:schemeClr val="bg1"/>
+              </a:solidFill>
+            </a:endParaRPr>
           </a:p>
         </p:txBody>
       </p:sp>
@@ -3054,6 +3133,13 @@
   <p:clrMapOvr>
     <a:masterClrMapping/>
   </p:clrMapOvr>
+  <p:timing>
+    <p:tnLst>
+      <p:par>
+        <p:cTn id="1" dur="indefinite" restart="never" nodeType="tmRoot"/>
+      </p:par>
+    </p:tnLst>
+  </p:timing>
 </p:sld>
 </file>
 
@@ -3074,64 +3160,73 @@
           <a:chExt cx="0" cy="0"/>
         </a:xfrm>
       </p:grpSpPr>
-      <p:sp>
-        <p:nvSpPr>
-          <p:cNvPr id="2" name="Cím 1"/>
-          <p:cNvSpPr>
-            <a:spLocks noGrp="1"/>
-          </p:cNvSpPr>
-          <p:nvPr>
-            <p:ph type="title"/>
+      <p:pic>
+        <p:nvPicPr>
+          <p:cNvPr id="5" name="Kép 4"/>
+          <p:cNvPicPr>
+            <a:picLocks noChangeAspect="1"/>
+          </p:cNvPicPr>
+          <p:nvPr/>
+        </p:nvPicPr>
+        <p:blipFill>
+          <a:blip r:embed="rId2">
+            <a:extLst>
+              <a:ext uri="{28A0092B-C50C-407E-A947-70E740481C1C}">
+                <a14:useLocalDpi xmlns:a14="http://schemas.microsoft.com/office/drawing/2010/main" val="0"/>
+              </a:ext>
+            </a:extLst>
+          </a:blip>
+          <a:stretch>
+            <a:fillRect/>
+          </a:stretch>
+        </p:blipFill>
+        <p:spPr>
+          <a:xfrm>
+            <a:off x="0" y="0"/>
+            <a:ext cx="12192000" cy="6858000"/>
+          </a:xfrm>
+          <a:prstGeom prst="rect">
+            <a:avLst/>
+          </a:prstGeom>
+        </p:spPr>
+      </p:pic>
+      <p:sp>
+        <p:nvSpPr>
+          <p:cNvPr id="3" name="Tartalom helye 2"/>
+          <p:cNvSpPr>
+            <a:spLocks noGrp="1"/>
+          </p:cNvSpPr>
+          <p:nvPr>
+            <p:ph idx="1"/>
           </p:nvPr>
         </p:nvSpPr>
         <p:spPr/>
         <p:txBody>
-          <a:bodyPr/>
-          <a:lstStyle/>
-          <a:p>
-            <a:r>
-              <a:rPr lang="hu-HU" dirty="0" smtClean="0"/>
-              <a:t>Tartalom</a:t>
-            </a:r>
-            <a:endParaRPr lang="hu-HU" dirty="0"/>
-          </a:p>
-        </p:txBody>
-      </p:sp>
-      <p:sp>
-        <p:nvSpPr>
-          <p:cNvPr id="3" name="Tartalom helye 2"/>
-          <p:cNvSpPr>
-            <a:spLocks noGrp="1"/>
-          </p:cNvSpPr>
-          <p:nvPr>
-            <p:ph idx="1"/>
-          </p:nvPr>
-        </p:nvSpPr>
-        <p:spPr/>
-        <p:txBody>
-          <a:bodyPr/>
-          <a:lstStyle/>
-          <a:p>
-            <a:r>
-              <a:rPr lang="hu-HU" dirty="0" smtClean="0"/>
+          <a:bodyPr anchor="ctr">
+            <a:normAutofit/>
+          </a:bodyPr>
+          <a:lstStyle/>
+          <a:p>
+            <a:r>
+              <a:rPr lang="hu-HU" sz="3500" dirty="0" smtClean="0"/>
               <a:t>Tagok tevékenysége a projektben</a:t>
             </a:r>
           </a:p>
           <a:p>
             <a:r>
-              <a:rPr lang="hu-HU" dirty="0" smtClean="0"/>
+              <a:rPr lang="hu-HU" sz="3500" dirty="0" smtClean="0"/>
               <a:t>Tervek és termék összehasonlítása</a:t>
             </a:r>
           </a:p>
           <a:p>
             <a:r>
-              <a:rPr lang="hu-HU" dirty="0" smtClean="0"/>
+              <a:rPr lang="hu-HU" sz="3500" dirty="0" smtClean="0"/>
               <a:t>Csapatmunka elemzése</a:t>
             </a:r>
           </a:p>
           <a:p>
             <a:r>
-              <a:rPr lang="hu-HU" dirty="0" smtClean="0"/>
+              <a:rPr lang="hu-HU" sz="3500" dirty="0" smtClean="0"/>
               <a:t>Statisztikák</a:t>
             </a:r>
           </a:p>
@@ -3147,6 +3242,13 @@
   <p:clrMapOvr>
     <a:masterClrMapping/>
   </p:clrMapOvr>
+  <p:timing>
+    <p:tnLst>
+      <p:par>
+        <p:cTn id="1" dur="indefinite" restart="never" nodeType="tmRoot"/>
+      </p:par>
+    </p:tnLst>
+  </p:timing>
 </p:sld>
 </file>
 
@@ -3167,29 +3269,36 @@
           <a:chExt cx="0" cy="0"/>
         </a:xfrm>
       </p:grpSpPr>
-      <p:sp>
-        <p:nvSpPr>
-          <p:cNvPr id="2" name="Cím 1"/>
-          <p:cNvSpPr>
-            <a:spLocks noGrp="1"/>
-          </p:cNvSpPr>
-          <p:nvPr>
-            <p:ph type="title"/>
-          </p:nvPr>
-        </p:nvSpPr>
-        <p:spPr/>
-        <p:txBody>
-          <a:bodyPr/>
-          <a:lstStyle/>
-          <a:p>
-            <a:r>
-              <a:rPr lang="hu-HU" dirty="0" smtClean="0"/>
-              <a:t>Kornél tevékenységei a projektben:</a:t>
-            </a:r>
-            <a:endParaRPr lang="hu-HU" dirty="0"/>
-          </a:p>
-        </p:txBody>
-      </p:sp>
+      <p:pic>
+        <p:nvPicPr>
+          <p:cNvPr id="7" name="Kép 6"/>
+          <p:cNvPicPr>
+            <a:picLocks noChangeAspect="1"/>
+          </p:cNvPicPr>
+          <p:nvPr/>
+        </p:nvPicPr>
+        <p:blipFill>
+          <a:blip r:embed="rId2">
+            <a:extLst>
+              <a:ext uri="{28A0092B-C50C-407E-A947-70E740481C1C}">
+                <a14:useLocalDpi xmlns:a14="http://schemas.microsoft.com/office/drawing/2010/main" val="0"/>
+              </a:ext>
+            </a:extLst>
+          </a:blip>
+          <a:stretch>
+            <a:fillRect/>
+          </a:stretch>
+        </p:blipFill>
+        <p:spPr>
+          <a:xfrm>
+            <a:off x="0" y="0"/>
+            <a:ext cx="12192000" cy="6858000"/>
+          </a:xfrm>
+          <a:prstGeom prst="rect">
+            <a:avLst/>
+          </a:prstGeom>
+        </p:spPr>
+      </p:pic>
       <p:sp>
         <p:nvSpPr>
           <p:cNvPr id="3" name="Tartalom helye 2"/>
@@ -3200,53 +3309,132 @@
             <p:ph idx="1"/>
           </p:nvPr>
         </p:nvSpPr>
-        <p:spPr/>
-        <p:txBody>
-          <a:bodyPr/>
-          <a:lstStyle/>
-          <a:p>
-            <a:r>
-              <a:rPr lang="hu-HU" dirty="0" smtClean="0"/>
+        <p:spPr>
+          <a:xfrm>
+            <a:off x="431800" y="1825625"/>
+            <a:ext cx="7315200" cy="4351338"/>
+          </a:xfrm>
+        </p:spPr>
+        <p:txBody>
+          <a:bodyPr anchor="ctr">
+            <a:normAutofit/>
+          </a:bodyPr>
+          <a:lstStyle/>
+          <a:p>
+            <a:r>
+              <a:rPr lang="hu-HU" sz="3200" dirty="0" smtClean="0"/>
               <a:t>Menüdesign</a:t>
             </a:r>
           </a:p>
           <a:p>
             <a:r>
-              <a:rPr lang="hu-HU" dirty="0" smtClean="0"/>
+              <a:rPr lang="hu-HU" sz="3200" dirty="0" smtClean="0"/>
               <a:t>Sablonkészítés</a:t>
             </a:r>
           </a:p>
           <a:p>
             <a:r>
-              <a:rPr lang="hu-HU" dirty="0" smtClean="0"/>
+              <a:rPr lang="hu-HU" sz="3200" dirty="0" smtClean="0"/>
               <a:t>Anyaggyűjtés</a:t>
             </a:r>
             <a:r>
-              <a:rPr lang="hu-HU" dirty="0"/>
+              <a:rPr lang="hu-HU" sz="3200" dirty="0"/>
               <a:t> </a:t>
             </a:r>
             <a:r>
-              <a:rPr lang="hu-HU" dirty="0" smtClean="0"/>
-              <a:t>(Festékek, Szerszámkatalógus)</a:t>
-            </a:r>
-          </a:p>
-          <a:p>
-            <a:r>
-              <a:rPr lang="hu-HU" dirty="0" smtClean="0"/>
+              <a:rPr lang="hu-HU" sz="3200" dirty="0"/>
+              <a:t/>
+            </a:r>
+            <a:br>
+              <a:rPr lang="hu-HU" sz="3200" dirty="0"/>
+            </a:br>
+            <a:r>
+              <a:rPr lang="hu-HU" sz="3200" dirty="0" smtClean="0"/>
+              <a:t>(</a:t>
+            </a:r>
+            <a:r>
+              <a:rPr lang="hu-HU" sz="3200" dirty="0" smtClean="0"/>
+              <a:t>Festékek, Szerszámkatalógus)</a:t>
+            </a:r>
+          </a:p>
+          <a:p>
+            <a:r>
+              <a:rPr lang="hu-HU" sz="3200" dirty="0" smtClean="0"/>
               <a:t>Oldaldesign (Festékek)</a:t>
             </a:r>
           </a:p>
           <a:p>
             <a:r>
-              <a:rPr lang="hu-HU" dirty="0" smtClean="0"/>
+              <a:rPr lang="hu-HU" sz="3200" dirty="0" smtClean="0"/>
               <a:t>Képszerkesztés</a:t>
             </a:r>
           </a:p>
           <a:p>
             <a:r>
-              <a:rPr lang="hu-HU" dirty="0" smtClean="0"/>
+              <a:rPr lang="hu-HU" sz="3200" dirty="0" smtClean="0"/>
               <a:t>Programozás (Festékek, Faanyagok)</a:t>
             </a:r>
+          </a:p>
+        </p:txBody>
+      </p:sp>
+      <p:pic>
+        <p:nvPicPr>
+          <p:cNvPr id="4" name="Kép 3"/>
+          <p:cNvPicPr>
+            <a:picLocks noChangeAspect="1"/>
+          </p:cNvPicPr>
+          <p:nvPr/>
+        </p:nvPicPr>
+        <p:blipFill>
+          <a:blip r:embed="rId3" cstate="print">
+            <a:extLst>
+              <a:ext uri="{28A0092B-C50C-407E-A947-70E740481C1C}">
+                <a14:useLocalDpi xmlns:a14="http://schemas.microsoft.com/office/drawing/2010/main" val="0"/>
+              </a:ext>
+            </a:extLst>
+          </a:blip>
+          <a:stretch>
+            <a:fillRect/>
+          </a:stretch>
+        </p:blipFill>
+        <p:spPr>
+          <a:xfrm>
+            <a:off x="7747000" y="1634421"/>
+            <a:ext cx="3911600" cy="3911600"/>
+          </a:xfrm>
+          <a:prstGeom prst="rect">
+            <a:avLst/>
+          </a:prstGeom>
+        </p:spPr>
+      </p:pic>
+      <p:sp>
+        <p:nvSpPr>
+          <p:cNvPr id="5" name="Szövegdoboz 4"/>
+          <p:cNvSpPr txBox="1"/>
+          <p:nvPr/>
+        </p:nvSpPr>
+        <p:spPr>
+          <a:xfrm>
+            <a:off x="7708900" y="5546021"/>
+            <a:ext cx="3987800" cy="630942"/>
+          </a:xfrm>
+          <a:prstGeom prst="rect">
+            <a:avLst/>
+          </a:prstGeom>
+          <a:noFill/>
+        </p:spPr>
+        <p:txBody>
+          <a:bodyPr wrap="square" rtlCol="0">
+            <a:spAutoFit/>
+          </a:bodyPr>
+          <a:lstStyle/>
+          <a:p>
+            <a:pPr algn="ctr"/>
+            <a:r>
+              <a:rPr lang="hu-HU" sz="3500" b="1" dirty="0" smtClean="0"/>
+              <a:t>Kornél</a:t>
+            </a:r>
+            <a:endParaRPr lang="hu-HU" sz="3500" b="1" dirty="0"/>
           </a:p>
         </p:txBody>
       </p:sp>
@@ -3260,6 +3448,13 @@
   <p:clrMapOvr>
     <a:masterClrMapping/>
   </p:clrMapOvr>
+  <p:timing>
+    <p:tnLst>
+      <p:par>
+        <p:cTn id="1" dur="indefinite" restart="never" nodeType="tmRoot"/>
+      </p:par>
+    </p:tnLst>
+  </p:timing>
 </p:sld>
 </file>
 
@@ -3280,29 +3475,36 @@
           <a:chExt cx="0" cy="0"/>
         </a:xfrm>
       </p:grpSpPr>
-      <p:sp>
-        <p:nvSpPr>
-          <p:cNvPr id="2" name="Cím 1"/>
-          <p:cNvSpPr>
-            <a:spLocks noGrp="1"/>
-          </p:cNvSpPr>
-          <p:nvPr>
-            <p:ph type="title"/>
-          </p:nvPr>
-        </p:nvSpPr>
-        <p:spPr/>
-        <p:txBody>
-          <a:bodyPr/>
-          <a:lstStyle/>
-          <a:p>
-            <a:r>
-              <a:rPr lang="hu-HU" dirty="0" smtClean="0"/>
-              <a:t>Gergő tevékenységei a projektben:</a:t>
-            </a:r>
-            <a:endParaRPr lang="hu-HU" dirty="0"/>
-          </a:p>
-        </p:txBody>
-      </p:sp>
+      <p:pic>
+        <p:nvPicPr>
+          <p:cNvPr id="7" name="Kép 6"/>
+          <p:cNvPicPr>
+            <a:picLocks noChangeAspect="1"/>
+          </p:cNvPicPr>
+          <p:nvPr/>
+        </p:nvPicPr>
+        <p:blipFill>
+          <a:blip r:embed="rId2">
+            <a:extLst>
+              <a:ext uri="{28A0092B-C50C-407E-A947-70E740481C1C}">
+                <a14:useLocalDpi xmlns:a14="http://schemas.microsoft.com/office/drawing/2010/main" val="0"/>
+              </a:ext>
+            </a:extLst>
+          </a:blip>
+          <a:stretch>
+            <a:fillRect/>
+          </a:stretch>
+        </p:blipFill>
+        <p:spPr>
+          <a:xfrm>
+            <a:off x="0" y="0"/>
+            <a:ext cx="12192000" cy="6858000"/>
+          </a:xfrm>
+          <a:prstGeom prst="rect">
+            <a:avLst/>
+          </a:prstGeom>
+        </p:spPr>
+      </p:pic>
       <p:sp>
         <p:nvSpPr>
           <p:cNvPr id="3" name="Tartalom helye 2"/>
@@ -3313,42 +3515,119 @@
             <p:ph idx="1"/>
           </p:nvPr>
         </p:nvSpPr>
-        <p:spPr/>
-        <p:txBody>
-          <a:bodyPr/>
-          <a:lstStyle/>
-          <a:p>
-            <a:r>
-              <a:rPr lang="hu-HU" dirty="0" smtClean="0"/>
-              <a:t>Oldaldesign (Szerszámkatalógus, Rólunk, Faanyagok)</a:t>
-            </a:r>
-          </a:p>
-          <a:p>
-            <a:r>
-              <a:rPr lang="hu-HU" dirty="0" smtClean="0"/>
+        <p:spPr>
+          <a:xfrm>
+            <a:off x="406400" y="1825625"/>
+            <a:ext cx="7340800" cy="4351338"/>
+          </a:xfrm>
+        </p:spPr>
+        <p:txBody>
+          <a:bodyPr anchor="ctr"/>
+          <a:lstStyle/>
+          <a:p>
+            <a:r>
+              <a:rPr lang="hu-HU" sz="3200" dirty="0"/>
+              <a:t>Oldaldesign </a:t>
+            </a:r>
+            <a:r>
+              <a:rPr lang="hu-HU" sz="3200" dirty="0" smtClean="0"/>
+              <a:t/>
+            </a:r>
+            <a:br>
+              <a:rPr lang="hu-HU" sz="3200" dirty="0" smtClean="0"/>
+            </a:br>
+            <a:r>
+              <a:rPr lang="hu-HU" sz="3200" dirty="0" smtClean="0"/>
+              <a:t>(</a:t>
+            </a:r>
+            <a:r>
+              <a:rPr lang="hu-HU" sz="3200" dirty="0"/>
+              <a:t>Szerszámkatalógus, Rólunk, Faanyagok)</a:t>
+            </a:r>
+          </a:p>
+          <a:p>
+            <a:r>
+              <a:rPr lang="hu-HU" sz="3200" dirty="0"/>
               <a:t>Anyaggyűjtés (Faanyagok)</a:t>
             </a:r>
           </a:p>
           <a:p>
             <a:r>
-              <a:rPr lang="hu-HU" dirty="0" smtClean="0"/>
+              <a:rPr lang="hu-HU" sz="3200" dirty="0"/>
               <a:t>Képszerkesztés</a:t>
             </a:r>
           </a:p>
           <a:p>
             <a:r>
-              <a:rPr lang="hu-HU" dirty="0" smtClean="0"/>
-              <a:t>Programozás (Menü, Főoldal, Blog)</a:t>
-            </a:r>
-          </a:p>
-          <a:p>
-            <a:pPr marL="0" indent="0">
-              <a:buNone/>
-            </a:pPr>
-            <a:endParaRPr lang="hu-HU" dirty="0" smtClean="0"/>
-          </a:p>
-          <a:p>
-            <a:endParaRPr lang="hu-HU" dirty="0"/>
+              <a:rPr lang="hu-HU" sz="3200" dirty="0"/>
+              <a:t>Programozás (Menü, Főoldal, Blog</a:t>
+            </a:r>
+            <a:r>
+              <a:rPr lang="hu-HU" sz="3200" dirty="0" smtClean="0"/>
+              <a:t>)</a:t>
+            </a:r>
+            <a:endParaRPr lang="hu-HU" sz="3200" dirty="0" smtClean="0"/>
+          </a:p>
+        </p:txBody>
+      </p:sp>
+      <p:pic>
+        <p:nvPicPr>
+          <p:cNvPr id="5" name="Kép 4"/>
+          <p:cNvPicPr>
+            <a:picLocks noChangeAspect="1"/>
+          </p:cNvPicPr>
+          <p:nvPr/>
+        </p:nvPicPr>
+        <p:blipFill>
+          <a:blip r:embed="rId3" cstate="print">
+            <a:extLst>
+              <a:ext uri="{28A0092B-C50C-407E-A947-70E740481C1C}">
+                <a14:useLocalDpi xmlns:a14="http://schemas.microsoft.com/office/drawing/2010/main" val="0"/>
+              </a:ext>
+            </a:extLst>
+          </a:blip>
+          <a:stretch>
+            <a:fillRect/>
+          </a:stretch>
+        </p:blipFill>
+        <p:spPr>
+          <a:xfrm>
+            <a:off x="7747200" y="1634400"/>
+            <a:ext cx="3913200" cy="3913200"/>
+          </a:xfrm>
+          <a:prstGeom prst="rect">
+            <a:avLst/>
+          </a:prstGeom>
+        </p:spPr>
+      </p:pic>
+      <p:sp>
+        <p:nvSpPr>
+          <p:cNvPr id="6" name="Szövegdoboz 5"/>
+          <p:cNvSpPr txBox="1"/>
+          <p:nvPr/>
+        </p:nvSpPr>
+        <p:spPr>
+          <a:xfrm>
+            <a:off x="7709900" y="5546021"/>
+            <a:ext cx="3987800" cy="630942"/>
+          </a:xfrm>
+          <a:prstGeom prst="rect">
+            <a:avLst/>
+          </a:prstGeom>
+          <a:noFill/>
+        </p:spPr>
+        <p:txBody>
+          <a:bodyPr wrap="square" rtlCol="0">
+            <a:spAutoFit/>
+          </a:bodyPr>
+          <a:lstStyle/>
+          <a:p>
+            <a:pPr algn="ctr"/>
+            <a:r>
+              <a:rPr lang="hu-HU" sz="3500" b="1" dirty="0" smtClean="0"/>
+              <a:t>Gergő</a:t>
+            </a:r>
+            <a:endParaRPr lang="hu-HU" sz="3500" b="1" dirty="0"/>
           </a:p>
         </p:txBody>
       </p:sp>
@@ -3362,6 +3641,13 @@
   <p:clrMapOvr>
     <a:masterClrMapping/>
   </p:clrMapOvr>
+  <p:timing>
+    <p:tnLst>
+      <p:par>
+        <p:cTn id="1" dur="indefinite" restart="never" nodeType="tmRoot"/>
+      </p:par>
+    </p:tnLst>
+  </p:timing>
 </p:sld>
 </file>
 
@@ -3382,29 +3668,36 @@
           <a:chExt cx="0" cy="0"/>
         </a:xfrm>
       </p:grpSpPr>
-      <p:sp>
-        <p:nvSpPr>
-          <p:cNvPr id="2" name="Cím 1"/>
-          <p:cNvSpPr>
-            <a:spLocks noGrp="1"/>
-          </p:cNvSpPr>
-          <p:nvPr>
-            <p:ph type="title"/>
-          </p:nvPr>
-        </p:nvSpPr>
-        <p:spPr/>
-        <p:txBody>
-          <a:bodyPr/>
-          <a:lstStyle/>
-          <a:p>
-            <a:r>
-              <a:rPr lang="hu-HU" dirty="0" smtClean="0"/>
-              <a:t>Totya tevékenységei a projektben:</a:t>
-            </a:r>
-            <a:endParaRPr lang="hu-HU" dirty="0"/>
-          </a:p>
-        </p:txBody>
-      </p:sp>
+      <p:pic>
+        <p:nvPicPr>
+          <p:cNvPr id="8" name="Kép 7"/>
+          <p:cNvPicPr>
+            <a:picLocks noChangeAspect="1"/>
+          </p:cNvPicPr>
+          <p:nvPr/>
+        </p:nvPicPr>
+        <p:blipFill>
+          <a:blip r:embed="rId2">
+            <a:extLst>
+              <a:ext uri="{28A0092B-C50C-407E-A947-70E740481C1C}">
+                <a14:useLocalDpi xmlns:a14="http://schemas.microsoft.com/office/drawing/2010/main" val="0"/>
+              </a:ext>
+            </a:extLst>
+          </a:blip>
+          <a:stretch>
+            <a:fillRect/>
+          </a:stretch>
+        </p:blipFill>
+        <p:spPr>
+          <a:xfrm>
+            <a:off x="0" y="0"/>
+            <a:ext cx="12192000" cy="6858000"/>
+          </a:xfrm>
+          <a:prstGeom prst="rect">
+            <a:avLst/>
+          </a:prstGeom>
+        </p:spPr>
+      </p:pic>
       <p:sp>
         <p:nvSpPr>
           <p:cNvPr id="3" name="Tartalom helye 2"/>
@@ -3415,33 +3708,101 @@
             <p:ph idx="1"/>
           </p:nvPr>
         </p:nvSpPr>
-        <p:spPr/>
-        <p:txBody>
-          <a:bodyPr/>
-          <a:lstStyle/>
-          <a:p>
-            <a:r>
-              <a:rPr lang="hu-HU" dirty="0" smtClean="0"/>
+        <p:spPr>
+          <a:xfrm>
+            <a:off x="444500" y="1825625"/>
+            <a:ext cx="7302700" cy="4351338"/>
+          </a:xfrm>
+        </p:spPr>
+        <p:txBody>
+          <a:bodyPr anchor="ctr">
+            <a:normAutofit/>
+          </a:bodyPr>
+          <a:lstStyle/>
+          <a:p>
+            <a:r>
+              <a:rPr lang="hu-HU" sz="3200" dirty="0" smtClean="0"/>
               <a:t>Oldaldesign (Főoldal, Blog)</a:t>
             </a:r>
           </a:p>
           <a:p>
             <a:r>
-              <a:rPr lang="hu-HU" dirty="0" smtClean="0"/>
+              <a:rPr lang="hu-HU" sz="3200" dirty="0" smtClean="0"/>
               <a:t>Anyaggyűjtés (Főoldal, Blog)</a:t>
             </a:r>
           </a:p>
           <a:p>
             <a:r>
-              <a:rPr lang="hu-HU" dirty="0" smtClean="0"/>
+              <a:rPr lang="hu-HU" sz="3200" dirty="0" smtClean="0"/>
               <a:t>Képszerkesztés</a:t>
             </a:r>
           </a:p>
           <a:p>
             <a:r>
-              <a:rPr lang="hu-HU" dirty="0" smtClean="0"/>
+              <a:rPr lang="hu-HU" sz="3200" dirty="0" smtClean="0"/>
               <a:t>Programozás (Szerszámkatalógus, Rólunk)</a:t>
             </a:r>
+          </a:p>
+        </p:txBody>
+      </p:sp>
+      <p:pic>
+        <p:nvPicPr>
+          <p:cNvPr id="6" name="Kép 5"/>
+          <p:cNvPicPr>
+            <a:picLocks noChangeAspect="1"/>
+          </p:cNvPicPr>
+          <p:nvPr/>
+        </p:nvPicPr>
+        <p:blipFill>
+          <a:blip r:embed="rId3" cstate="print">
+            <a:extLst>
+              <a:ext uri="{28A0092B-C50C-407E-A947-70E740481C1C}">
+                <a14:useLocalDpi xmlns:a14="http://schemas.microsoft.com/office/drawing/2010/main" val="0"/>
+              </a:ext>
+            </a:extLst>
+          </a:blip>
+          <a:stretch>
+            <a:fillRect/>
+          </a:stretch>
+        </p:blipFill>
+        <p:spPr>
+          <a:xfrm>
+            <a:off x="7747200" y="1634400"/>
+            <a:ext cx="3913200" cy="3913200"/>
+          </a:xfrm>
+          <a:prstGeom prst="rect">
+            <a:avLst/>
+          </a:prstGeom>
+        </p:spPr>
+      </p:pic>
+      <p:sp>
+        <p:nvSpPr>
+          <p:cNvPr id="7" name="Szövegdoboz 6"/>
+          <p:cNvSpPr txBox="1"/>
+          <p:nvPr/>
+        </p:nvSpPr>
+        <p:spPr>
+          <a:xfrm>
+            <a:off x="7709900" y="5546021"/>
+            <a:ext cx="3987800" cy="630942"/>
+          </a:xfrm>
+          <a:prstGeom prst="rect">
+            <a:avLst/>
+          </a:prstGeom>
+          <a:noFill/>
+        </p:spPr>
+        <p:txBody>
+          <a:bodyPr wrap="square" rtlCol="0">
+            <a:spAutoFit/>
+          </a:bodyPr>
+          <a:lstStyle/>
+          <a:p>
+            <a:pPr algn="ctr"/>
+            <a:r>
+              <a:rPr lang="hu-HU" sz="3500" b="1" dirty="0" smtClean="0"/>
+              <a:t>Totya</a:t>
+            </a:r>
+            <a:endParaRPr lang="hu-HU" sz="3500" b="1" dirty="0"/>
           </a:p>
         </p:txBody>
       </p:sp>
@@ -3455,6 +3816,13 @@
   <p:clrMapOvr>
     <a:masterClrMapping/>
   </p:clrMapOvr>
+  <p:timing>
+    <p:tnLst>
+      <p:par>
+        <p:cTn id="1" dur="indefinite" restart="never" nodeType="tmRoot"/>
+      </p:par>
+    </p:tnLst>
+  </p:timing>
 </p:sld>
 </file>
 
@@ -3475,72 +3843,36 @@
           <a:chExt cx="0" cy="0"/>
         </a:xfrm>
       </p:grpSpPr>
-      <p:sp>
-        <p:nvSpPr>
-          <p:cNvPr id="2" name="Cím 1"/>
-          <p:cNvSpPr>
-            <a:spLocks noGrp="1"/>
-          </p:cNvSpPr>
-          <p:nvPr>
-            <p:ph type="title"/>
-          </p:nvPr>
-        </p:nvSpPr>
-        <p:spPr/>
-        <p:txBody>
-          <a:bodyPr/>
-          <a:lstStyle/>
-          <a:p>
-            <a:r>
-              <a:rPr lang="hu-HU" dirty="0" smtClean="0"/>
-              <a:t>Összehasonlítás</a:t>
-            </a:r>
-            <a:endParaRPr lang="hu-HU" dirty="0"/>
-          </a:p>
-        </p:txBody>
-      </p:sp>
-      <p:sp>
-        <p:nvSpPr>
-          <p:cNvPr id="3" name="Tartalom helye 2"/>
-          <p:cNvSpPr>
-            <a:spLocks noGrp="1"/>
-          </p:cNvSpPr>
-          <p:nvPr>
-            <p:ph idx="1"/>
-          </p:nvPr>
-        </p:nvSpPr>
-        <p:spPr/>
-        <p:txBody>
-          <a:bodyPr/>
-          <a:lstStyle/>
-          <a:p>
-            <a:r>
-              <a:rPr lang="hu-HU" dirty="0" err="1" smtClean="0"/>
-              <a:t>Insert</a:t>
-            </a:r>
-            <a:r>
-              <a:rPr lang="hu-HU" dirty="0" smtClean="0"/>
-              <a:t> </a:t>
-            </a:r>
-            <a:r>
-              <a:rPr lang="hu-HU" dirty="0" err="1" smtClean="0"/>
-              <a:t>Comparison</a:t>
-            </a:r>
-            <a:r>
-              <a:rPr lang="hu-HU" dirty="0" smtClean="0"/>
-              <a:t> </a:t>
-            </a:r>
-            <a:r>
-              <a:rPr lang="hu-HU" dirty="0" err="1" smtClean="0"/>
-              <a:t>Content</a:t>
-            </a:r>
-            <a:r>
-              <a:rPr lang="hu-HU" dirty="0" smtClean="0"/>
-              <a:t> Here</a:t>
-            </a:r>
-            <a:endParaRPr lang="hu-HU" dirty="0"/>
-          </a:p>
-        </p:txBody>
-      </p:sp>
+      <p:pic>
+        <p:nvPicPr>
+          <p:cNvPr id="8" name="Kép 7"/>
+          <p:cNvPicPr>
+            <a:picLocks noChangeAspect="1"/>
+          </p:cNvPicPr>
+          <p:nvPr/>
+        </p:nvPicPr>
+        <p:blipFill>
+          <a:blip r:embed="rId2">
+            <a:extLst>
+              <a:ext uri="{28A0092B-C50C-407E-A947-70E740481C1C}">
+                <a14:useLocalDpi xmlns:a14="http://schemas.microsoft.com/office/drawing/2010/main" val="0"/>
+              </a:ext>
+            </a:extLst>
+          </a:blip>
+          <a:stretch>
+            <a:fillRect/>
+          </a:stretch>
+        </p:blipFill>
+        <p:spPr>
+          <a:xfrm>
+            <a:off x="0" y="0"/>
+            <a:ext cx="12192000" cy="6858000"/>
+          </a:xfrm>
+          <a:prstGeom prst="rect">
+            <a:avLst/>
+          </a:prstGeom>
+        </p:spPr>
+      </p:pic>
     </p:spTree>
     <p:extLst>
       <p:ext uri="{BB962C8B-B14F-4D97-AF65-F5344CB8AC3E}">
@@ -3551,6 +3883,13 @@
   <p:clrMapOvr>
     <a:masterClrMapping/>
   </p:clrMapOvr>
+  <p:timing>
+    <p:tnLst>
+      <p:par>
+        <p:cTn id="1" dur="indefinite" restart="never" nodeType="tmRoot"/>
+      </p:par>
+    </p:tnLst>
+  </p:timing>
 </p:sld>
 </file>
 
@@ -3571,58 +3910,53 @@
           <a:chExt cx="0" cy="0"/>
         </a:xfrm>
       </p:grpSpPr>
-      <p:sp>
-        <p:nvSpPr>
-          <p:cNvPr id="2" name="Cím 1"/>
-          <p:cNvSpPr>
-            <a:spLocks noGrp="1"/>
-          </p:cNvSpPr>
-          <p:nvPr>
-            <p:ph type="title"/>
-          </p:nvPr>
-        </p:nvSpPr>
-        <p:spPr/>
-        <p:txBody>
-          <a:bodyPr/>
-          <a:lstStyle/>
-          <a:p>
-            <a:r>
-              <a:rPr lang="hu-HU" dirty="0" smtClean="0"/>
-              <a:t>Csapatmunka elemzése</a:t>
-            </a:r>
-            <a:endParaRPr lang="hu-HU" dirty="0"/>
-          </a:p>
-        </p:txBody>
-      </p:sp>
-      <p:sp>
-        <p:nvSpPr>
-          <p:cNvPr id="3" name="Tartalom helye 2"/>
-          <p:cNvSpPr>
-            <a:spLocks noGrp="1"/>
-          </p:cNvSpPr>
-          <p:nvPr>
-            <p:ph idx="1"/>
-          </p:nvPr>
-        </p:nvSpPr>
-        <p:spPr/>
-        <p:txBody>
-          <a:bodyPr/>
-          <a:lstStyle/>
-          <a:p>
-            <a:endParaRPr lang="hu-HU"/>
-          </a:p>
-        </p:txBody>
-      </p:sp>
+      <p:pic>
+        <p:nvPicPr>
+          <p:cNvPr id="5" name="Kép 4"/>
+          <p:cNvPicPr>
+            <a:picLocks noChangeAspect="1"/>
+          </p:cNvPicPr>
+          <p:nvPr/>
+        </p:nvPicPr>
+        <p:blipFill>
+          <a:blip r:embed="rId2">
+            <a:extLst>
+              <a:ext uri="{28A0092B-C50C-407E-A947-70E740481C1C}">
+                <a14:useLocalDpi xmlns:a14="http://schemas.microsoft.com/office/drawing/2010/main" val="0"/>
+              </a:ext>
+            </a:extLst>
+          </a:blip>
+          <a:stretch>
+            <a:fillRect/>
+          </a:stretch>
+        </p:blipFill>
+        <p:spPr>
+          <a:xfrm>
+            <a:off x="0" y="0"/>
+            <a:ext cx="12192000" cy="6858000"/>
+          </a:xfrm>
+          <a:prstGeom prst="rect">
+            <a:avLst/>
+          </a:prstGeom>
+        </p:spPr>
+      </p:pic>
     </p:spTree>
     <p:extLst>
       <p:ext uri="{BB962C8B-B14F-4D97-AF65-F5344CB8AC3E}">
-        <p14:creationId xmlns:p14="http://schemas.microsoft.com/office/powerpoint/2010/main" val="3628172456"/>
+        <p14:creationId xmlns:p14="http://schemas.microsoft.com/office/powerpoint/2010/main" val="3050041734"/>
       </p:ext>
     </p:extLst>
   </p:cSld>
   <p:clrMapOvr>
     <a:masterClrMapping/>
   </p:clrMapOvr>
+  <p:timing>
+    <p:tnLst>
+      <p:par>
+        <p:cTn id="1" dur="indefinite" restart="never" nodeType="tmRoot"/>
+      </p:par>
+    </p:tnLst>
+  </p:timing>
 </p:sld>
 </file>
 
@@ -3643,58 +3977,83 @@
           <a:chExt cx="0" cy="0"/>
         </a:xfrm>
       </p:grpSpPr>
-      <p:sp>
-        <p:nvSpPr>
-          <p:cNvPr id="2" name="Cím 1"/>
-          <p:cNvSpPr>
-            <a:spLocks noGrp="1"/>
-          </p:cNvSpPr>
-          <p:nvPr>
-            <p:ph type="title"/>
-          </p:nvPr>
-        </p:nvSpPr>
-        <p:spPr/>
-        <p:txBody>
-          <a:bodyPr/>
+      <p:pic>
+        <p:nvPicPr>
+          <p:cNvPr id="7" name="Kép 6"/>
+          <p:cNvPicPr>
+            <a:picLocks noChangeAspect="1"/>
+          </p:cNvPicPr>
+          <p:nvPr/>
+        </p:nvPicPr>
+        <p:blipFill>
+          <a:blip r:embed="rId2">
+            <a:extLst>
+              <a:ext uri="{28A0092B-C50C-407E-A947-70E740481C1C}">
+                <a14:useLocalDpi xmlns:a14="http://schemas.microsoft.com/office/drawing/2010/main" val="0"/>
+              </a:ext>
+            </a:extLst>
+          </a:blip>
+          <a:stretch>
+            <a:fillRect/>
+          </a:stretch>
+        </p:blipFill>
+        <p:spPr>
+          <a:xfrm>
+            <a:off x="0" y="0"/>
+            <a:ext cx="12192000" cy="6858000"/>
+          </a:xfrm>
+          <a:prstGeom prst="rect">
+            <a:avLst/>
+          </a:prstGeom>
+        </p:spPr>
+      </p:pic>
+      <p:sp>
+        <p:nvSpPr>
+          <p:cNvPr id="8" name="Szövegdoboz 7"/>
+          <p:cNvSpPr txBox="1"/>
+          <p:nvPr/>
+        </p:nvSpPr>
+        <p:spPr>
+          <a:xfrm>
+            <a:off x="723900" y="2171700"/>
+            <a:ext cx="6375400" cy="369332"/>
+          </a:xfrm>
+          <a:prstGeom prst="rect">
+            <a:avLst/>
+          </a:prstGeom>
+          <a:noFill/>
+        </p:spPr>
+        <p:txBody>
+          <a:bodyPr wrap="square" rtlCol="0">
+            <a:spAutoFit/>
+          </a:bodyPr>
           <a:lstStyle/>
           <a:p>
             <a:r>
               <a:rPr lang="hu-HU" dirty="0" smtClean="0"/>
-              <a:t>Statisztikák</a:t>
+              <a:t>Ki miben fejlődik?</a:t>
             </a:r>
             <a:endParaRPr lang="hu-HU" dirty="0"/>
-          </a:p>
-        </p:txBody>
-      </p:sp>
-      <p:sp>
-        <p:nvSpPr>
-          <p:cNvPr id="3" name="Tartalom helye 2"/>
-          <p:cNvSpPr>
-            <a:spLocks noGrp="1"/>
-          </p:cNvSpPr>
-          <p:nvPr>
-            <p:ph idx="1"/>
-          </p:nvPr>
-        </p:nvSpPr>
-        <p:spPr/>
-        <p:txBody>
-          <a:bodyPr/>
-          <a:lstStyle/>
-          <a:p>
-            <a:endParaRPr lang="hu-HU"/>
           </a:p>
         </p:txBody>
       </p:sp>
     </p:spTree>
     <p:extLst>
       <p:ext uri="{BB962C8B-B14F-4D97-AF65-F5344CB8AC3E}">
-        <p14:creationId xmlns:p14="http://schemas.microsoft.com/office/powerpoint/2010/main" val="3050041734"/>
+        <p14:creationId xmlns:p14="http://schemas.microsoft.com/office/powerpoint/2010/main" val="3628172456"/>
       </p:ext>
     </p:extLst>
   </p:cSld>
   <p:clrMapOvr>
     <a:masterClrMapping/>
   </p:clrMapOvr>
+  <p:timing>
+    <p:tnLst>
+      <p:par>
+        <p:cTn id="1" dur="indefinite" restart="never" nodeType="tmRoot"/>
+      </p:par>
+    </p:tnLst>
+  </p:timing>
 </p:sld>
 </file>
 

--- a/Bemutató/Webes Projekt.pptx
+++ b/Bemutató/Webes Projekt.pptx
@@ -161,10 +161,9 @@
           </a:lstStyle>
           <a:p>
             <a:r>
-              <a:rPr lang="hu-HU" smtClean="0"/>
+              <a:rPr lang="hu-HU"/>
               <a:t>Mintacím szerkesztése</a:t>
             </a:r>
-            <a:endParaRPr lang="hu-HU"/>
           </a:p>
         </p:txBody>
       </p:sp>
@@ -226,10 +225,9 @@
           </a:lstStyle>
           <a:p>
             <a:r>
-              <a:rPr lang="hu-HU" smtClean="0"/>
+              <a:rPr lang="hu-HU"/>
               <a:t>Kattintson ide az alcím mintájának szerkesztéséhez</a:t>
             </a:r>
-            <a:endParaRPr lang="hu-HU"/>
           </a:p>
         </p:txBody>
       </p:sp>
@@ -250,7 +248,7 @@
           <a:p>
             <a:fld id="{4B4BAFA8-0487-4C43-8C9E-ED8C7000D50E}" type="datetimeFigureOut">
               <a:rPr lang="hu-HU" smtClean="0"/>
-              <a:t>2023.01.31.</a:t>
+              <a:t>2023. 01. 31.</a:t>
             </a:fld>
             <a:endParaRPr lang="hu-HU"/>
           </a:p>
@@ -344,10 +342,9 @@
           <a:lstStyle/>
           <a:p>
             <a:r>
-              <a:rPr lang="hu-HU" smtClean="0"/>
+              <a:rPr lang="hu-HU"/>
               <a:t>Mintacím szerkesztése</a:t>
             </a:r>
-            <a:endParaRPr lang="hu-HU"/>
           </a:p>
         </p:txBody>
       </p:sp>
@@ -368,38 +365,37 @@
           <a:p>
             <a:pPr lvl="0"/>
             <a:r>
-              <a:rPr lang="hu-HU" smtClean="0"/>
+              <a:rPr lang="hu-HU"/>
               <a:t>Mintaszöveg szerkesztése</a:t>
             </a:r>
           </a:p>
           <a:p>
             <a:pPr lvl="1"/>
             <a:r>
-              <a:rPr lang="hu-HU" smtClean="0"/>
+              <a:rPr lang="hu-HU"/>
               <a:t>Második szint</a:t>
             </a:r>
           </a:p>
           <a:p>
             <a:pPr lvl="2"/>
             <a:r>
-              <a:rPr lang="hu-HU" smtClean="0"/>
+              <a:rPr lang="hu-HU"/>
               <a:t>Harmadik szint</a:t>
             </a:r>
           </a:p>
           <a:p>
             <a:pPr lvl="3"/>
             <a:r>
-              <a:rPr lang="hu-HU" smtClean="0"/>
+              <a:rPr lang="hu-HU"/>
               <a:t>Negyedik szint</a:t>
             </a:r>
           </a:p>
           <a:p>
             <a:pPr lvl="4"/>
             <a:r>
-              <a:rPr lang="hu-HU" smtClean="0"/>
+              <a:rPr lang="hu-HU"/>
               <a:t>Ötödik szint</a:t>
             </a:r>
-            <a:endParaRPr lang="hu-HU"/>
           </a:p>
         </p:txBody>
       </p:sp>
@@ -420,7 +416,7 @@
           <a:p>
             <a:fld id="{4B4BAFA8-0487-4C43-8C9E-ED8C7000D50E}" type="datetimeFigureOut">
               <a:rPr lang="hu-HU" smtClean="0"/>
-              <a:t>2023.01.31.</a:t>
+              <a:t>2023. 01. 31.</a:t>
             </a:fld>
             <a:endParaRPr lang="hu-HU"/>
           </a:p>
@@ -519,10 +515,9 @@
           <a:lstStyle/>
           <a:p>
             <a:r>
-              <a:rPr lang="hu-HU" smtClean="0"/>
+              <a:rPr lang="hu-HU"/>
               <a:t>Mintacím szerkesztése</a:t>
             </a:r>
-            <a:endParaRPr lang="hu-HU"/>
           </a:p>
         </p:txBody>
       </p:sp>
@@ -548,38 +543,37 @@
           <a:p>
             <a:pPr lvl="0"/>
             <a:r>
-              <a:rPr lang="hu-HU" smtClean="0"/>
+              <a:rPr lang="hu-HU"/>
               <a:t>Mintaszöveg szerkesztése</a:t>
             </a:r>
           </a:p>
           <a:p>
             <a:pPr lvl="1"/>
             <a:r>
-              <a:rPr lang="hu-HU" smtClean="0"/>
+              <a:rPr lang="hu-HU"/>
               <a:t>Második szint</a:t>
             </a:r>
           </a:p>
           <a:p>
             <a:pPr lvl="2"/>
             <a:r>
-              <a:rPr lang="hu-HU" smtClean="0"/>
+              <a:rPr lang="hu-HU"/>
               <a:t>Harmadik szint</a:t>
             </a:r>
           </a:p>
           <a:p>
             <a:pPr lvl="3"/>
             <a:r>
-              <a:rPr lang="hu-HU" smtClean="0"/>
+              <a:rPr lang="hu-HU"/>
               <a:t>Negyedik szint</a:t>
             </a:r>
           </a:p>
           <a:p>
             <a:pPr lvl="4"/>
             <a:r>
-              <a:rPr lang="hu-HU" smtClean="0"/>
+              <a:rPr lang="hu-HU"/>
               <a:t>Ötödik szint</a:t>
             </a:r>
-            <a:endParaRPr lang="hu-HU"/>
           </a:p>
         </p:txBody>
       </p:sp>
@@ -600,7 +594,7 @@
           <a:p>
             <a:fld id="{4B4BAFA8-0487-4C43-8C9E-ED8C7000D50E}" type="datetimeFigureOut">
               <a:rPr lang="hu-HU" smtClean="0"/>
-              <a:t>2023.01.31.</a:t>
+              <a:t>2023. 01. 31.</a:t>
             </a:fld>
             <a:endParaRPr lang="hu-HU"/>
           </a:p>
@@ -694,10 +688,9 @@
           <a:lstStyle/>
           <a:p>
             <a:r>
-              <a:rPr lang="hu-HU" smtClean="0"/>
+              <a:rPr lang="hu-HU"/>
               <a:t>Mintacím szerkesztése</a:t>
             </a:r>
-            <a:endParaRPr lang="hu-HU"/>
           </a:p>
         </p:txBody>
       </p:sp>
@@ -718,38 +711,37 @@
           <a:p>
             <a:pPr lvl="0"/>
             <a:r>
-              <a:rPr lang="hu-HU" smtClean="0"/>
+              <a:rPr lang="hu-HU"/>
               <a:t>Mintaszöveg szerkesztése</a:t>
             </a:r>
           </a:p>
           <a:p>
             <a:pPr lvl="1"/>
             <a:r>
-              <a:rPr lang="hu-HU" smtClean="0"/>
+              <a:rPr lang="hu-HU"/>
               <a:t>Második szint</a:t>
             </a:r>
           </a:p>
           <a:p>
             <a:pPr lvl="2"/>
             <a:r>
-              <a:rPr lang="hu-HU" smtClean="0"/>
+              <a:rPr lang="hu-HU"/>
               <a:t>Harmadik szint</a:t>
             </a:r>
           </a:p>
           <a:p>
             <a:pPr lvl="3"/>
             <a:r>
-              <a:rPr lang="hu-HU" smtClean="0"/>
+              <a:rPr lang="hu-HU"/>
               <a:t>Negyedik szint</a:t>
             </a:r>
           </a:p>
           <a:p>
             <a:pPr lvl="4"/>
             <a:r>
-              <a:rPr lang="hu-HU" smtClean="0"/>
+              <a:rPr lang="hu-HU"/>
               <a:t>Ötödik szint</a:t>
             </a:r>
-            <a:endParaRPr lang="hu-HU"/>
           </a:p>
         </p:txBody>
       </p:sp>
@@ -770,7 +762,7 @@
           <a:p>
             <a:fld id="{4B4BAFA8-0487-4C43-8C9E-ED8C7000D50E}" type="datetimeFigureOut">
               <a:rPr lang="hu-HU" smtClean="0"/>
-              <a:t>2023.01.31.</a:t>
+              <a:t>2023. 01. 31.</a:t>
             </a:fld>
             <a:endParaRPr lang="hu-HU"/>
           </a:p>
@@ -873,10 +865,9 @@
           </a:lstStyle>
           <a:p>
             <a:r>
-              <a:rPr lang="hu-HU" smtClean="0"/>
+              <a:rPr lang="hu-HU"/>
               <a:t>Mintacím szerkesztése</a:t>
             </a:r>
-            <a:endParaRPr lang="hu-HU"/>
           </a:p>
         </p:txBody>
       </p:sp>
@@ -993,7 +984,7 @@
           <a:p>
             <a:pPr lvl="0"/>
             <a:r>
-              <a:rPr lang="hu-HU" smtClean="0"/>
+              <a:rPr lang="hu-HU"/>
               <a:t>Mintaszöveg szerkesztése</a:t>
             </a:r>
           </a:p>
@@ -1016,7 +1007,7 @@
           <a:p>
             <a:fld id="{4B4BAFA8-0487-4C43-8C9E-ED8C7000D50E}" type="datetimeFigureOut">
               <a:rPr lang="hu-HU" smtClean="0"/>
-              <a:t>2023.01.31.</a:t>
+              <a:t>2023. 01. 31.</a:t>
             </a:fld>
             <a:endParaRPr lang="hu-HU"/>
           </a:p>
@@ -1110,10 +1101,9 @@
           <a:lstStyle/>
           <a:p>
             <a:r>
-              <a:rPr lang="hu-HU" smtClean="0"/>
+              <a:rPr lang="hu-HU"/>
               <a:t>Mintacím szerkesztése</a:t>
             </a:r>
-            <a:endParaRPr lang="hu-HU"/>
           </a:p>
         </p:txBody>
       </p:sp>
@@ -1139,38 +1129,37 @@
           <a:p>
             <a:pPr lvl="0"/>
             <a:r>
-              <a:rPr lang="hu-HU" smtClean="0"/>
+              <a:rPr lang="hu-HU"/>
               <a:t>Mintaszöveg szerkesztése</a:t>
             </a:r>
           </a:p>
           <a:p>
             <a:pPr lvl="1"/>
             <a:r>
-              <a:rPr lang="hu-HU" smtClean="0"/>
+              <a:rPr lang="hu-HU"/>
               <a:t>Második szint</a:t>
             </a:r>
           </a:p>
           <a:p>
             <a:pPr lvl="2"/>
             <a:r>
-              <a:rPr lang="hu-HU" smtClean="0"/>
+              <a:rPr lang="hu-HU"/>
               <a:t>Harmadik szint</a:t>
             </a:r>
           </a:p>
           <a:p>
             <a:pPr lvl="3"/>
             <a:r>
-              <a:rPr lang="hu-HU" smtClean="0"/>
+              <a:rPr lang="hu-HU"/>
               <a:t>Negyedik szint</a:t>
             </a:r>
           </a:p>
           <a:p>
             <a:pPr lvl="4"/>
             <a:r>
-              <a:rPr lang="hu-HU" smtClean="0"/>
+              <a:rPr lang="hu-HU"/>
               <a:t>Ötödik szint</a:t>
             </a:r>
-            <a:endParaRPr lang="hu-HU"/>
           </a:p>
         </p:txBody>
       </p:sp>
@@ -1196,38 +1185,37 @@
           <a:p>
             <a:pPr lvl="0"/>
             <a:r>
-              <a:rPr lang="hu-HU" smtClean="0"/>
+              <a:rPr lang="hu-HU"/>
               <a:t>Mintaszöveg szerkesztése</a:t>
             </a:r>
           </a:p>
           <a:p>
             <a:pPr lvl="1"/>
             <a:r>
-              <a:rPr lang="hu-HU" smtClean="0"/>
+              <a:rPr lang="hu-HU"/>
               <a:t>Második szint</a:t>
             </a:r>
           </a:p>
           <a:p>
             <a:pPr lvl="2"/>
             <a:r>
-              <a:rPr lang="hu-HU" smtClean="0"/>
+              <a:rPr lang="hu-HU"/>
               <a:t>Harmadik szint</a:t>
             </a:r>
           </a:p>
           <a:p>
             <a:pPr lvl="3"/>
             <a:r>
-              <a:rPr lang="hu-HU" smtClean="0"/>
+              <a:rPr lang="hu-HU"/>
               <a:t>Negyedik szint</a:t>
             </a:r>
           </a:p>
           <a:p>
             <a:pPr lvl="4"/>
             <a:r>
-              <a:rPr lang="hu-HU" smtClean="0"/>
+              <a:rPr lang="hu-HU"/>
               <a:t>Ötödik szint</a:t>
             </a:r>
-            <a:endParaRPr lang="hu-HU"/>
           </a:p>
         </p:txBody>
       </p:sp>
@@ -1248,7 +1236,7 @@
           <a:p>
             <a:fld id="{4B4BAFA8-0487-4C43-8C9E-ED8C7000D50E}" type="datetimeFigureOut">
               <a:rPr lang="hu-HU" smtClean="0"/>
-              <a:t>2023.01.31.</a:t>
+              <a:t>2023. 01. 31.</a:t>
             </a:fld>
             <a:endParaRPr lang="hu-HU"/>
           </a:p>
@@ -1347,10 +1335,9 @@
           <a:lstStyle/>
           <a:p>
             <a:r>
-              <a:rPr lang="hu-HU" smtClean="0"/>
+              <a:rPr lang="hu-HU"/>
               <a:t>Mintacím szerkesztése</a:t>
             </a:r>
-            <a:endParaRPr lang="hu-HU"/>
           </a:p>
         </p:txBody>
       </p:sp>
@@ -1413,7 +1400,7 @@
           <a:p>
             <a:pPr lvl="0"/>
             <a:r>
-              <a:rPr lang="hu-HU" smtClean="0"/>
+              <a:rPr lang="hu-HU"/>
               <a:t>Mintaszöveg szerkesztése</a:t>
             </a:r>
           </a:p>
@@ -1441,38 +1428,37 @@
           <a:p>
             <a:pPr lvl="0"/>
             <a:r>
-              <a:rPr lang="hu-HU" smtClean="0"/>
+              <a:rPr lang="hu-HU"/>
               <a:t>Mintaszöveg szerkesztése</a:t>
             </a:r>
           </a:p>
           <a:p>
             <a:pPr lvl="1"/>
             <a:r>
-              <a:rPr lang="hu-HU" smtClean="0"/>
+              <a:rPr lang="hu-HU"/>
               <a:t>Második szint</a:t>
             </a:r>
           </a:p>
           <a:p>
             <a:pPr lvl="2"/>
             <a:r>
-              <a:rPr lang="hu-HU" smtClean="0"/>
+              <a:rPr lang="hu-HU"/>
               <a:t>Harmadik szint</a:t>
             </a:r>
           </a:p>
           <a:p>
             <a:pPr lvl="3"/>
             <a:r>
-              <a:rPr lang="hu-HU" smtClean="0"/>
+              <a:rPr lang="hu-HU"/>
               <a:t>Negyedik szint</a:t>
             </a:r>
           </a:p>
           <a:p>
             <a:pPr lvl="4"/>
             <a:r>
-              <a:rPr lang="hu-HU" smtClean="0"/>
+              <a:rPr lang="hu-HU"/>
               <a:t>Ötödik szint</a:t>
             </a:r>
-            <a:endParaRPr lang="hu-HU"/>
           </a:p>
         </p:txBody>
       </p:sp>
@@ -1535,7 +1521,7 @@
           <a:p>
             <a:pPr lvl="0"/>
             <a:r>
-              <a:rPr lang="hu-HU" smtClean="0"/>
+              <a:rPr lang="hu-HU"/>
               <a:t>Mintaszöveg szerkesztése</a:t>
             </a:r>
           </a:p>
@@ -1563,38 +1549,37 @@
           <a:p>
             <a:pPr lvl="0"/>
             <a:r>
-              <a:rPr lang="hu-HU" smtClean="0"/>
+              <a:rPr lang="hu-HU"/>
               <a:t>Mintaszöveg szerkesztése</a:t>
             </a:r>
           </a:p>
           <a:p>
             <a:pPr lvl="1"/>
             <a:r>
-              <a:rPr lang="hu-HU" smtClean="0"/>
+              <a:rPr lang="hu-HU"/>
               <a:t>Második szint</a:t>
             </a:r>
           </a:p>
           <a:p>
             <a:pPr lvl="2"/>
             <a:r>
-              <a:rPr lang="hu-HU" smtClean="0"/>
+              <a:rPr lang="hu-HU"/>
               <a:t>Harmadik szint</a:t>
             </a:r>
           </a:p>
           <a:p>
             <a:pPr lvl="3"/>
             <a:r>
-              <a:rPr lang="hu-HU" smtClean="0"/>
+              <a:rPr lang="hu-HU"/>
               <a:t>Negyedik szint</a:t>
             </a:r>
           </a:p>
           <a:p>
             <a:pPr lvl="4"/>
             <a:r>
-              <a:rPr lang="hu-HU" smtClean="0"/>
+              <a:rPr lang="hu-HU"/>
               <a:t>Ötödik szint</a:t>
             </a:r>
-            <a:endParaRPr lang="hu-HU"/>
           </a:p>
         </p:txBody>
       </p:sp>
@@ -1615,7 +1600,7 @@
           <a:p>
             <a:fld id="{4B4BAFA8-0487-4C43-8C9E-ED8C7000D50E}" type="datetimeFigureOut">
               <a:rPr lang="hu-HU" smtClean="0"/>
-              <a:t>2023.01.31.</a:t>
+              <a:t>2023. 01. 31.</a:t>
             </a:fld>
             <a:endParaRPr lang="hu-HU"/>
           </a:p>
@@ -1709,10 +1694,9 @@
           <a:lstStyle/>
           <a:p>
             <a:r>
-              <a:rPr lang="hu-HU" smtClean="0"/>
+              <a:rPr lang="hu-HU"/>
               <a:t>Mintacím szerkesztése</a:t>
             </a:r>
-            <a:endParaRPr lang="hu-HU"/>
           </a:p>
         </p:txBody>
       </p:sp>
@@ -1733,7 +1717,7 @@
           <a:p>
             <a:fld id="{4B4BAFA8-0487-4C43-8C9E-ED8C7000D50E}" type="datetimeFigureOut">
               <a:rPr lang="hu-HU" smtClean="0"/>
-              <a:t>2023.01.31.</a:t>
+              <a:t>2023. 01. 31.</a:t>
             </a:fld>
             <a:endParaRPr lang="hu-HU"/>
           </a:p>
@@ -1828,7 +1812,7 @@
           <a:p>
             <a:fld id="{4B4BAFA8-0487-4C43-8C9E-ED8C7000D50E}" type="datetimeFigureOut">
               <a:rPr lang="hu-HU" smtClean="0"/>
-              <a:t>2023.01.31.</a:t>
+              <a:t>2023. 01. 31.</a:t>
             </a:fld>
             <a:endParaRPr lang="hu-HU"/>
           </a:p>
@@ -1931,10 +1915,9 @@
           </a:lstStyle>
           <a:p>
             <a:r>
-              <a:rPr lang="hu-HU" smtClean="0"/>
+              <a:rPr lang="hu-HU"/>
               <a:t>Mintacím szerkesztése</a:t>
             </a:r>
-            <a:endParaRPr lang="hu-HU"/>
           </a:p>
         </p:txBody>
       </p:sp>
@@ -1988,38 +1971,37 @@
           <a:p>
             <a:pPr lvl="0"/>
             <a:r>
-              <a:rPr lang="hu-HU" smtClean="0"/>
+              <a:rPr lang="hu-HU"/>
               <a:t>Mintaszöveg szerkesztése</a:t>
             </a:r>
           </a:p>
           <a:p>
             <a:pPr lvl="1"/>
             <a:r>
-              <a:rPr lang="hu-HU" smtClean="0"/>
+              <a:rPr lang="hu-HU"/>
               <a:t>Második szint</a:t>
             </a:r>
           </a:p>
           <a:p>
             <a:pPr lvl="2"/>
             <a:r>
-              <a:rPr lang="hu-HU" smtClean="0"/>
+              <a:rPr lang="hu-HU"/>
               <a:t>Harmadik szint</a:t>
             </a:r>
           </a:p>
           <a:p>
             <a:pPr lvl="3"/>
             <a:r>
-              <a:rPr lang="hu-HU" smtClean="0"/>
+              <a:rPr lang="hu-HU"/>
               <a:t>Negyedik szint</a:t>
             </a:r>
           </a:p>
           <a:p>
             <a:pPr lvl="4"/>
             <a:r>
-              <a:rPr lang="hu-HU" smtClean="0"/>
+              <a:rPr lang="hu-HU"/>
               <a:t>Ötödik szint</a:t>
             </a:r>
-            <a:endParaRPr lang="hu-HU"/>
           </a:p>
         </p:txBody>
       </p:sp>
@@ -2082,7 +2064,7 @@
           <a:p>
             <a:pPr lvl="0"/>
             <a:r>
-              <a:rPr lang="hu-HU" smtClean="0"/>
+              <a:rPr lang="hu-HU"/>
               <a:t>Mintaszöveg szerkesztése</a:t>
             </a:r>
           </a:p>
@@ -2105,7 +2087,7 @@
           <a:p>
             <a:fld id="{4B4BAFA8-0487-4C43-8C9E-ED8C7000D50E}" type="datetimeFigureOut">
               <a:rPr lang="hu-HU" smtClean="0"/>
-              <a:t>2023.01.31.</a:t>
+              <a:t>2023. 01. 31.</a:t>
             </a:fld>
             <a:endParaRPr lang="hu-HU"/>
           </a:p>
@@ -2208,10 +2190,9 @@
           </a:lstStyle>
           <a:p>
             <a:r>
-              <a:rPr lang="hu-HU" smtClean="0"/>
+              <a:rPr lang="hu-HU"/>
               <a:t>Mintacím szerkesztése</a:t>
             </a:r>
-            <a:endParaRPr lang="hu-HU"/>
           </a:p>
         </p:txBody>
       </p:sp>
@@ -2335,7 +2316,7 @@
           <a:p>
             <a:pPr lvl="0"/>
             <a:r>
-              <a:rPr lang="hu-HU" smtClean="0"/>
+              <a:rPr lang="hu-HU"/>
               <a:t>Mintaszöveg szerkesztése</a:t>
             </a:r>
           </a:p>
@@ -2358,7 +2339,7 @@
           <a:p>
             <a:fld id="{4B4BAFA8-0487-4C43-8C9E-ED8C7000D50E}" type="datetimeFigureOut">
               <a:rPr lang="hu-HU" smtClean="0"/>
-              <a:t>2023.01.31.</a:t>
+              <a:t>2023. 01. 31.</a:t>
             </a:fld>
             <a:endParaRPr lang="hu-HU"/>
           </a:p>
@@ -2467,10 +2448,9 @@
           <a:lstStyle/>
           <a:p>
             <a:r>
-              <a:rPr lang="hu-HU" smtClean="0"/>
+              <a:rPr lang="hu-HU"/>
               <a:t>Mintacím szerkesztése</a:t>
             </a:r>
-            <a:endParaRPr lang="hu-HU"/>
           </a:p>
         </p:txBody>
       </p:sp>
@@ -2501,38 +2481,37 @@
           <a:p>
             <a:pPr lvl="0"/>
             <a:r>
-              <a:rPr lang="hu-HU" smtClean="0"/>
+              <a:rPr lang="hu-HU"/>
               <a:t>Mintaszöveg szerkesztése</a:t>
             </a:r>
           </a:p>
           <a:p>
             <a:pPr lvl="1"/>
             <a:r>
-              <a:rPr lang="hu-HU" smtClean="0"/>
+              <a:rPr lang="hu-HU"/>
               <a:t>Második szint</a:t>
             </a:r>
           </a:p>
           <a:p>
             <a:pPr lvl="2"/>
             <a:r>
-              <a:rPr lang="hu-HU" smtClean="0"/>
+              <a:rPr lang="hu-HU"/>
               <a:t>Harmadik szint</a:t>
             </a:r>
           </a:p>
           <a:p>
             <a:pPr lvl="3"/>
             <a:r>
-              <a:rPr lang="hu-HU" smtClean="0"/>
+              <a:rPr lang="hu-HU"/>
               <a:t>Negyedik szint</a:t>
             </a:r>
           </a:p>
           <a:p>
             <a:pPr lvl="4"/>
             <a:r>
-              <a:rPr lang="hu-HU" smtClean="0"/>
+              <a:rPr lang="hu-HU"/>
               <a:t>Ötödik szint</a:t>
             </a:r>
-            <a:endParaRPr lang="hu-HU"/>
           </a:p>
         </p:txBody>
       </p:sp>
@@ -2571,7 +2550,7 @@
           <a:p>
             <a:fld id="{4B4BAFA8-0487-4C43-8C9E-ED8C7000D50E}" type="datetimeFigureOut">
               <a:rPr lang="hu-HU" smtClean="0"/>
-              <a:t>2023.01.31.</a:t>
+              <a:t>2023. 01. 31.</a:t>
             </a:fld>
             <a:endParaRPr lang="hu-HU"/>
           </a:p>
@@ -3022,20 +3001,12 @@
           <a:lstStyle/>
           <a:p>
             <a:r>
-              <a:rPr lang="hu-HU" dirty="0" smtClean="0">
+              <a:rPr lang="hu-HU" dirty="0">
                 <a:solidFill>
                   <a:schemeClr val="bg1"/>
                 </a:solidFill>
               </a:rPr>
               <a:t>Webes Projekt</a:t>
-            </a:r>
-            <a:r>
-              <a:rPr lang="hu-HU" dirty="0">
-                <a:solidFill>
-                  <a:schemeClr val="bg1"/>
-                </a:solidFill>
-              </a:rPr>
-              <a:t/>
             </a:r>
             <a:br>
               <a:rPr lang="hu-HU" dirty="0">
@@ -3045,18 +3016,13 @@
               </a:rPr>
             </a:br>
             <a:r>
-              <a:rPr lang="hu-HU" dirty="0" smtClean="0">
+              <a:rPr lang="hu-HU" dirty="0">
                 <a:solidFill>
                   <a:schemeClr val="bg1"/>
                 </a:solidFill>
               </a:rPr>
               <a:t>Projektdokumentáció</a:t>
             </a:r>
-            <a:endParaRPr lang="hu-HU" dirty="0">
-              <a:solidFill>
-                <a:schemeClr val="bg1"/>
-              </a:solidFill>
-            </a:endParaRPr>
           </a:p>
         </p:txBody>
       </p:sp>
@@ -3076,7 +3042,7 @@
           <a:lstStyle/>
           <a:p>
             <a:r>
-              <a:rPr lang="hu-HU" dirty="0" smtClean="0">
+              <a:rPr lang="hu-HU" dirty="0">
                 <a:solidFill>
                   <a:schemeClr val="bg1"/>
                 </a:solidFill>
@@ -3084,7 +3050,7 @@
               <a:t>Készítette: </a:t>
             </a:r>
             <a:r>
-              <a:rPr lang="hu-HU" dirty="0" err="1" smtClean="0">
+              <a:rPr lang="hu-HU" dirty="0" err="1">
                 <a:solidFill>
                   <a:schemeClr val="bg1"/>
                 </a:solidFill>
@@ -3092,7 +3058,7 @@
               <a:t>Krizsák</a:t>
             </a:r>
             <a:r>
-              <a:rPr lang="hu-HU" dirty="0" smtClean="0">
+              <a:rPr lang="hu-HU" dirty="0">
                 <a:solidFill>
                   <a:schemeClr val="bg1"/>
                 </a:solidFill>
@@ -3100,7 +3066,7 @@
               <a:t> Kornél, </a:t>
             </a:r>
             <a:r>
-              <a:rPr lang="hu-HU" dirty="0" err="1" smtClean="0">
+              <a:rPr lang="hu-HU" dirty="0" err="1">
                 <a:solidFill>
                   <a:schemeClr val="bg1"/>
                 </a:solidFill>
@@ -3108,18 +3074,13 @@
               <a:t>Ohradka</a:t>
             </a:r>
             <a:r>
-              <a:rPr lang="hu-HU" dirty="0" smtClean="0">
+              <a:rPr lang="hu-HU" dirty="0">
                 <a:solidFill>
                   <a:schemeClr val="bg1"/>
                 </a:solidFill>
               </a:rPr>
               <a:t> Gergő, Somlyai Tamás</a:t>
             </a:r>
-            <a:endParaRPr lang="hu-HU" dirty="0">
-              <a:solidFill>
-                <a:schemeClr val="bg1"/>
-              </a:solidFill>
-            </a:endParaRPr>
           </a:p>
         </p:txBody>
       </p:sp>
@@ -3133,13 +3094,6 @@
   <p:clrMapOvr>
     <a:masterClrMapping/>
   </p:clrMapOvr>
-  <p:timing>
-    <p:tnLst>
-      <p:par>
-        <p:cTn id="1" dur="indefinite" restart="never" nodeType="tmRoot"/>
-      </p:par>
-    </p:tnLst>
-  </p:timing>
 </p:sld>
 </file>
 
@@ -3208,25 +3162,25 @@
           <a:lstStyle/>
           <a:p>
             <a:r>
-              <a:rPr lang="hu-HU" sz="3500" dirty="0" smtClean="0"/>
+              <a:rPr lang="hu-HU" sz="3500" dirty="0"/>
               <a:t>Tagok tevékenysége a projektben</a:t>
             </a:r>
           </a:p>
           <a:p>
             <a:r>
-              <a:rPr lang="hu-HU" sz="3500" dirty="0" smtClean="0"/>
+              <a:rPr lang="hu-HU" sz="3500" dirty="0"/>
               <a:t>Tervek és termék összehasonlítása</a:t>
             </a:r>
           </a:p>
           <a:p>
             <a:r>
-              <a:rPr lang="hu-HU" sz="3500" dirty="0" smtClean="0"/>
+              <a:rPr lang="hu-HU" sz="3500" dirty="0"/>
               <a:t>Csapatmunka elemzése</a:t>
             </a:r>
           </a:p>
           <a:p>
             <a:r>
-              <a:rPr lang="hu-HU" sz="3500" dirty="0" smtClean="0"/>
+              <a:rPr lang="hu-HU" sz="3500" dirty="0"/>
               <a:t>Statisztikák</a:t>
             </a:r>
           </a:p>
@@ -3242,13 +3196,6 @@
   <p:clrMapOvr>
     <a:masterClrMapping/>
   </p:clrMapOvr>
-  <p:timing>
-    <p:tnLst>
-      <p:par>
-        <p:cTn id="1" dur="indefinite" restart="never" nodeType="tmRoot"/>
-      </p:par>
-    </p:tnLst>
-  </p:timing>
 </p:sld>
 </file>
 
@@ -3322,56 +3269,44 @@
           <a:lstStyle/>
           <a:p>
             <a:r>
-              <a:rPr lang="hu-HU" sz="3200" dirty="0" smtClean="0"/>
+              <a:rPr lang="hu-HU" sz="3200" dirty="0"/>
               <a:t>Menüdesign</a:t>
             </a:r>
           </a:p>
           <a:p>
             <a:r>
-              <a:rPr lang="hu-HU" sz="3200" dirty="0" smtClean="0"/>
+              <a:rPr lang="hu-HU" sz="3200" dirty="0"/>
               <a:t>Sablonkészítés</a:t>
             </a:r>
           </a:p>
           <a:p>
             <a:r>
-              <a:rPr lang="hu-HU" sz="3200" dirty="0" smtClean="0"/>
-              <a:t>Anyaggyűjtés</a:t>
-            </a:r>
-            <a:r>
               <a:rPr lang="hu-HU" sz="3200" dirty="0"/>
-              <a:t> </a:t>
-            </a:r>
-            <a:r>
-              <a:rPr lang="hu-HU" sz="3200" dirty="0"/>
-              <a:t/>
+              <a:t>Anyaggyűjtés </a:t>
             </a:r>
             <a:br>
               <a:rPr lang="hu-HU" sz="3200" dirty="0"/>
             </a:br>
             <a:r>
-              <a:rPr lang="hu-HU" sz="3200" dirty="0" smtClean="0"/>
-              <a:t>(</a:t>
-            </a:r>
-            <a:r>
-              <a:rPr lang="hu-HU" sz="3200" dirty="0" smtClean="0"/>
-              <a:t>Festékek, Szerszámkatalógus)</a:t>
-            </a:r>
-          </a:p>
-          <a:p>
-            <a:r>
-              <a:rPr lang="hu-HU" sz="3200" dirty="0" smtClean="0"/>
+              <a:rPr lang="hu-HU" sz="3200" dirty="0"/>
+              <a:t>(Festékek, Szerszámkatalógus)</a:t>
+            </a:r>
+          </a:p>
+          <a:p>
+            <a:r>
+              <a:rPr lang="hu-HU" sz="3200" dirty="0"/>
               <a:t>Oldaldesign (Festékek)</a:t>
             </a:r>
           </a:p>
           <a:p>
             <a:r>
-              <a:rPr lang="hu-HU" sz="3200" dirty="0" smtClean="0"/>
+              <a:rPr lang="hu-HU" sz="3200" dirty="0"/>
               <a:t>Képszerkesztés</a:t>
             </a:r>
           </a:p>
           <a:p>
             <a:r>
-              <a:rPr lang="hu-HU" sz="3200" dirty="0" smtClean="0"/>
+              <a:rPr lang="hu-HU" sz="3200" dirty="0"/>
               <a:t>Programozás (Festékek, Faanyagok)</a:t>
             </a:r>
           </a:p>
@@ -3431,10 +3366,9 @@
           <a:p>
             <a:pPr algn="ctr"/>
             <a:r>
-              <a:rPr lang="hu-HU" sz="3500" b="1" dirty="0" smtClean="0"/>
+              <a:rPr lang="hu-HU" sz="3500" b="1" dirty="0"/>
               <a:t>Kornél</a:t>
             </a:r>
-            <a:endParaRPr lang="hu-HU" sz="3500" b="1" dirty="0"/>
           </a:p>
         </p:txBody>
       </p:sp>
@@ -3448,13 +3382,6 @@
   <p:clrMapOvr>
     <a:masterClrMapping/>
   </p:clrMapOvr>
-  <p:timing>
-    <p:tnLst>
-      <p:par>
-        <p:cTn id="1" dur="indefinite" restart="never" nodeType="tmRoot"/>
-      </p:par>
-    </p:tnLst>
-  </p:timing>
 </p:sld>
 </file>
 
@@ -3529,20 +3456,12 @@
               <a:rPr lang="hu-HU" sz="3200" dirty="0"/>
               <a:t>Oldaldesign </a:t>
             </a:r>
-            <a:r>
-              <a:rPr lang="hu-HU" sz="3200" dirty="0" smtClean="0"/>
-              <a:t/>
-            </a:r>
             <a:br>
-              <a:rPr lang="hu-HU" sz="3200" dirty="0" smtClean="0"/>
+              <a:rPr lang="hu-HU" sz="3200" dirty="0"/>
             </a:br>
             <a:r>
-              <a:rPr lang="hu-HU" sz="3200" dirty="0" smtClean="0"/>
-              <a:t>(</a:t>
-            </a:r>
-            <a:r>
               <a:rPr lang="hu-HU" sz="3200" dirty="0"/>
-              <a:t>Szerszámkatalógus, Rólunk, Faanyagok)</a:t>
+              <a:t>(Szerszámkatalógus, Rólunk, Faanyagok)</a:t>
             </a:r>
           </a:p>
           <a:p>
@@ -3560,13 +3479,8 @@
           <a:p>
             <a:r>
               <a:rPr lang="hu-HU" sz="3200" dirty="0"/>
-              <a:t>Programozás (Menü, Főoldal, Blog</a:t>
-            </a:r>
-            <a:r>
-              <a:rPr lang="hu-HU" sz="3200" dirty="0" smtClean="0"/>
-              <a:t>)</a:t>
-            </a:r>
-            <a:endParaRPr lang="hu-HU" sz="3200" dirty="0" smtClean="0"/>
+              <a:t>Programozás (Menü, Főoldal, Blog)</a:t>
+            </a:r>
           </a:p>
         </p:txBody>
       </p:sp>
@@ -3624,10 +3538,9 @@
           <a:p>
             <a:pPr algn="ctr"/>
             <a:r>
-              <a:rPr lang="hu-HU" sz="3500" b="1" dirty="0" smtClean="0"/>
+              <a:rPr lang="hu-HU" sz="3500" b="1" dirty="0"/>
               <a:t>Gergő</a:t>
             </a:r>
-            <a:endParaRPr lang="hu-HU" sz="3500" b="1" dirty="0"/>
           </a:p>
         </p:txBody>
       </p:sp>
@@ -3641,13 +3554,6 @@
   <p:clrMapOvr>
     <a:masterClrMapping/>
   </p:clrMapOvr>
-  <p:timing>
-    <p:tnLst>
-      <p:par>
-        <p:cTn id="1" dur="indefinite" restart="never" nodeType="tmRoot"/>
-      </p:par>
-    </p:tnLst>
-  </p:timing>
 </p:sld>
 </file>
 
@@ -3721,25 +3627,25 @@
           <a:lstStyle/>
           <a:p>
             <a:r>
-              <a:rPr lang="hu-HU" sz="3200" dirty="0" smtClean="0"/>
+              <a:rPr lang="hu-HU" sz="3200" dirty="0"/>
               <a:t>Oldaldesign (Főoldal, Blog)</a:t>
             </a:r>
           </a:p>
           <a:p>
             <a:r>
-              <a:rPr lang="hu-HU" sz="3200" dirty="0" smtClean="0"/>
+              <a:rPr lang="hu-HU" sz="3200" dirty="0"/>
               <a:t>Anyaggyűjtés (Főoldal, Blog)</a:t>
             </a:r>
           </a:p>
           <a:p>
             <a:r>
-              <a:rPr lang="hu-HU" sz="3200" dirty="0" smtClean="0"/>
+              <a:rPr lang="hu-HU" sz="3200" dirty="0"/>
               <a:t>Képszerkesztés</a:t>
             </a:r>
           </a:p>
           <a:p>
             <a:r>
-              <a:rPr lang="hu-HU" sz="3200" dirty="0" smtClean="0"/>
+              <a:rPr lang="hu-HU" sz="3200" dirty="0"/>
               <a:t>Programozás (Szerszámkatalógus, Rólunk)</a:t>
             </a:r>
           </a:p>
@@ -3799,10 +3705,9 @@
           <a:p>
             <a:pPr algn="ctr"/>
             <a:r>
-              <a:rPr lang="hu-HU" sz="3500" b="1" dirty="0" smtClean="0"/>
+              <a:rPr lang="hu-HU" sz="3500" b="1" dirty="0"/>
               <a:t>Totya</a:t>
             </a:r>
-            <a:endParaRPr lang="hu-HU" sz="3500" b="1" dirty="0"/>
           </a:p>
         </p:txBody>
       </p:sp>
@@ -3816,13 +3721,6 @@
   <p:clrMapOvr>
     <a:masterClrMapping/>
   </p:clrMapOvr>
-  <p:timing>
-    <p:tnLst>
-      <p:par>
-        <p:cTn id="1" dur="indefinite" restart="never" nodeType="tmRoot"/>
-      </p:par>
-    </p:tnLst>
-  </p:timing>
 </p:sld>
 </file>
 
@@ -3883,13 +3781,6 @@
   <p:clrMapOvr>
     <a:masterClrMapping/>
   </p:clrMapOvr>
-  <p:timing>
-    <p:tnLst>
-      <p:par>
-        <p:cTn id="1" dur="indefinite" restart="never" nodeType="tmRoot"/>
-      </p:par>
-    </p:tnLst>
-  </p:timing>
 </p:sld>
 </file>
 
@@ -3950,13 +3841,6 @@
   <p:clrMapOvr>
     <a:masterClrMapping/>
   </p:clrMapOvr>
-  <p:timing>
-    <p:tnLst>
-      <p:par>
-        <p:cTn id="1" dur="indefinite" restart="never" nodeType="tmRoot"/>
-      </p:par>
-    </p:tnLst>
-  </p:timing>
 </p:sld>
 </file>
 
@@ -4030,10 +3914,9 @@
           <a:lstStyle/>
           <a:p>
             <a:r>
-              <a:rPr lang="hu-HU" dirty="0" smtClean="0"/>
+              <a:rPr lang="hu-HU" dirty="0"/>
               <a:t>Ki miben fejlődik?</a:t>
             </a:r>
-            <a:endParaRPr lang="hu-HU" dirty="0"/>
           </a:p>
         </p:txBody>
       </p:sp>
@@ -4047,13 +3930,6 @@
   <p:clrMapOvr>
     <a:masterClrMapping/>
   </p:clrMapOvr>
-  <p:timing>
-    <p:tnLst>
-      <p:par>
-        <p:cTn id="1" dur="indefinite" restart="never" nodeType="tmRoot"/>
-      </p:par>
-    </p:tnLst>
-  </p:timing>
 </p:sld>
 </file>
 
